--- a/Arboles/If.pptx
+++ b/Arboles/If.pptx
@@ -244,7 +244,7 @@
           <a:p>
             <a:fld id="{A24D1F3A-D1EF-447E-A819-3BB187B73454}" type="datetimeFigureOut">
               <a:rPr lang="en-US" smtClean="0"/>
-              <a:t>7/24/2022</a:t>
+              <a:t>7/27/2022</a:t>
             </a:fld>
             <a:endParaRPr lang="en-US"/>
           </a:p>
@@ -414,7 +414,7 @@
           <a:p>
             <a:fld id="{A24D1F3A-D1EF-447E-A819-3BB187B73454}" type="datetimeFigureOut">
               <a:rPr lang="en-US" smtClean="0"/>
-              <a:t>7/24/2022</a:t>
+              <a:t>7/27/2022</a:t>
             </a:fld>
             <a:endParaRPr lang="en-US"/>
           </a:p>
@@ -594,7 +594,7 @@
           <a:p>
             <a:fld id="{A24D1F3A-D1EF-447E-A819-3BB187B73454}" type="datetimeFigureOut">
               <a:rPr lang="en-US" smtClean="0"/>
-              <a:t>7/24/2022</a:t>
+              <a:t>7/27/2022</a:t>
             </a:fld>
             <a:endParaRPr lang="en-US"/>
           </a:p>
@@ -764,7 +764,7 @@
           <a:p>
             <a:fld id="{A24D1F3A-D1EF-447E-A819-3BB187B73454}" type="datetimeFigureOut">
               <a:rPr lang="en-US" smtClean="0"/>
-              <a:t>7/24/2022</a:t>
+              <a:t>7/27/2022</a:t>
             </a:fld>
             <a:endParaRPr lang="en-US"/>
           </a:p>
@@ -1010,7 +1010,7 @@
           <a:p>
             <a:fld id="{A24D1F3A-D1EF-447E-A819-3BB187B73454}" type="datetimeFigureOut">
               <a:rPr lang="en-US" smtClean="0"/>
-              <a:t>7/24/2022</a:t>
+              <a:t>7/27/2022</a:t>
             </a:fld>
             <a:endParaRPr lang="en-US"/>
           </a:p>
@@ -1242,7 +1242,7 @@
           <a:p>
             <a:fld id="{A24D1F3A-D1EF-447E-A819-3BB187B73454}" type="datetimeFigureOut">
               <a:rPr lang="en-US" smtClean="0"/>
-              <a:t>7/24/2022</a:t>
+              <a:t>7/27/2022</a:t>
             </a:fld>
             <a:endParaRPr lang="en-US"/>
           </a:p>
@@ -1609,7 +1609,7 @@
           <a:p>
             <a:fld id="{A24D1F3A-D1EF-447E-A819-3BB187B73454}" type="datetimeFigureOut">
               <a:rPr lang="en-US" smtClean="0"/>
-              <a:t>7/24/2022</a:t>
+              <a:t>7/27/2022</a:t>
             </a:fld>
             <a:endParaRPr lang="en-US"/>
           </a:p>
@@ -1727,7 +1727,7 @@
           <a:p>
             <a:fld id="{A24D1F3A-D1EF-447E-A819-3BB187B73454}" type="datetimeFigureOut">
               <a:rPr lang="en-US" smtClean="0"/>
-              <a:t>7/24/2022</a:t>
+              <a:t>7/27/2022</a:t>
             </a:fld>
             <a:endParaRPr lang="en-US"/>
           </a:p>
@@ -1822,7 +1822,7 @@
           <a:p>
             <a:fld id="{A24D1F3A-D1EF-447E-A819-3BB187B73454}" type="datetimeFigureOut">
               <a:rPr lang="en-US" smtClean="0"/>
-              <a:t>7/24/2022</a:t>
+              <a:t>7/27/2022</a:t>
             </a:fld>
             <a:endParaRPr lang="en-US"/>
           </a:p>
@@ -2099,7 +2099,7 @@
           <a:p>
             <a:fld id="{A24D1F3A-D1EF-447E-A819-3BB187B73454}" type="datetimeFigureOut">
               <a:rPr lang="en-US" smtClean="0"/>
-              <a:t>7/24/2022</a:t>
+              <a:t>7/27/2022</a:t>
             </a:fld>
             <a:endParaRPr lang="en-US"/>
           </a:p>
@@ -2352,7 +2352,7 @@
           <a:p>
             <a:fld id="{A24D1F3A-D1EF-447E-A819-3BB187B73454}" type="datetimeFigureOut">
               <a:rPr lang="en-US" smtClean="0"/>
-              <a:t>7/24/2022</a:t>
+              <a:t>7/27/2022</a:t>
             </a:fld>
             <a:endParaRPr lang="en-US"/>
           </a:p>
@@ -2565,7 +2565,7 @@
           <a:p>
             <a:fld id="{A24D1F3A-D1EF-447E-A819-3BB187B73454}" type="datetimeFigureOut">
               <a:rPr lang="en-US" smtClean="0"/>
-              <a:t>7/24/2022</a:t>
+              <a:t>7/27/2022</a:t>
             </a:fld>
             <a:endParaRPr lang="en-US"/>
           </a:p>
@@ -3174,7 +3174,7 @@
           <a:lstStyle/>
           <a:p>
             <a:r>
-              <a:rPr lang="es-ES" sz="1200" dirty="0" err="1"/>
+              <a:rPr lang="es-ES" sz="1200" dirty="0"/>
               <a:t>If</a:t>
             </a:r>
             <a:endParaRPr lang="en-US" sz="1200" dirty="0"/>
@@ -5072,6 +5072,45 @@
           <a:xfrm flipH="1">
             <a:off x="8064072" y="1511487"/>
             <a:ext cx="1" cy="634405"/>
+          </a:xfrm>
+          <a:prstGeom prst="line">
+            <a:avLst/>
+          </a:prstGeom>
+        </p:spPr>
+        <p:style>
+          <a:lnRef idx="1">
+            <a:schemeClr val="accent1"/>
+          </a:lnRef>
+          <a:fillRef idx="0">
+            <a:schemeClr val="accent1"/>
+          </a:fillRef>
+          <a:effectRef idx="0">
+            <a:schemeClr val="accent1"/>
+          </a:effectRef>
+          <a:fontRef idx="minor">
+            <a:schemeClr val="tx1"/>
+          </a:fontRef>
+        </p:style>
+      </p:cxnSp>
+      <p:cxnSp>
+        <p:nvCxnSpPr>
+          <p:cNvPr id="10" name="Conector recto 9">
+            <a:extLst>
+              <a:ext uri="{FF2B5EF4-FFF2-40B4-BE49-F238E27FC236}">
+                <a16:creationId xmlns:a16="http://schemas.microsoft.com/office/drawing/2014/main" id="{F44FCD2F-2A67-4B1D-B280-89001D837CE5}"/>
+              </a:ext>
+            </a:extLst>
+          </p:cNvPr>
+          <p:cNvCxnSpPr>
+            <a:stCxn id="127" idx="2"/>
+            <a:endCxn id="183" idx="0"/>
+          </p:cNvCxnSpPr>
+          <p:nvPr/>
+        </p:nvCxnSpPr>
+        <p:spPr>
+          <a:xfrm>
+            <a:off x="8064072" y="2422891"/>
+            <a:ext cx="1832837" cy="856669"/>
           </a:xfrm>
           <a:prstGeom prst="line">
             <a:avLst/>

--- a/Arboles/If.pptx
+++ b/Arboles/If.pptx
@@ -244,7 +244,7 @@
           <a:p>
             <a:fld id="{A24D1F3A-D1EF-447E-A819-3BB187B73454}" type="datetimeFigureOut">
               <a:rPr lang="en-US" smtClean="0"/>
-              <a:t>7/27/2022</a:t>
+              <a:t>8/1/2022</a:t>
             </a:fld>
             <a:endParaRPr lang="en-US"/>
           </a:p>
@@ -414,7 +414,7 @@
           <a:p>
             <a:fld id="{A24D1F3A-D1EF-447E-A819-3BB187B73454}" type="datetimeFigureOut">
               <a:rPr lang="en-US" smtClean="0"/>
-              <a:t>7/27/2022</a:t>
+              <a:t>8/1/2022</a:t>
             </a:fld>
             <a:endParaRPr lang="en-US"/>
           </a:p>
@@ -594,7 +594,7 @@
           <a:p>
             <a:fld id="{A24D1F3A-D1EF-447E-A819-3BB187B73454}" type="datetimeFigureOut">
               <a:rPr lang="en-US" smtClean="0"/>
-              <a:t>7/27/2022</a:t>
+              <a:t>8/1/2022</a:t>
             </a:fld>
             <a:endParaRPr lang="en-US"/>
           </a:p>
@@ -764,7 +764,7 @@
           <a:p>
             <a:fld id="{A24D1F3A-D1EF-447E-A819-3BB187B73454}" type="datetimeFigureOut">
               <a:rPr lang="en-US" smtClean="0"/>
-              <a:t>7/27/2022</a:t>
+              <a:t>8/1/2022</a:t>
             </a:fld>
             <a:endParaRPr lang="en-US"/>
           </a:p>
@@ -1010,7 +1010,7 @@
           <a:p>
             <a:fld id="{A24D1F3A-D1EF-447E-A819-3BB187B73454}" type="datetimeFigureOut">
               <a:rPr lang="en-US" smtClean="0"/>
-              <a:t>7/27/2022</a:t>
+              <a:t>8/1/2022</a:t>
             </a:fld>
             <a:endParaRPr lang="en-US"/>
           </a:p>
@@ -1242,7 +1242,7 @@
           <a:p>
             <a:fld id="{A24D1F3A-D1EF-447E-A819-3BB187B73454}" type="datetimeFigureOut">
               <a:rPr lang="en-US" smtClean="0"/>
-              <a:t>7/27/2022</a:t>
+              <a:t>8/1/2022</a:t>
             </a:fld>
             <a:endParaRPr lang="en-US"/>
           </a:p>
@@ -1609,7 +1609,7 @@
           <a:p>
             <a:fld id="{A24D1F3A-D1EF-447E-A819-3BB187B73454}" type="datetimeFigureOut">
               <a:rPr lang="en-US" smtClean="0"/>
-              <a:t>7/27/2022</a:t>
+              <a:t>8/1/2022</a:t>
             </a:fld>
             <a:endParaRPr lang="en-US"/>
           </a:p>
@@ -1727,7 +1727,7 @@
           <a:p>
             <a:fld id="{A24D1F3A-D1EF-447E-A819-3BB187B73454}" type="datetimeFigureOut">
               <a:rPr lang="en-US" smtClean="0"/>
-              <a:t>7/27/2022</a:t>
+              <a:t>8/1/2022</a:t>
             </a:fld>
             <a:endParaRPr lang="en-US"/>
           </a:p>
@@ -1822,7 +1822,7 @@
           <a:p>
             <a:fld id="{A24D1F3A-D1EF-447E-A819-3BB187B73454}" type="datetimeFigureOut">
               <a:rPr lang="en-US" smtClean="0"/>
-              <a:t>7/27/2022</a:t>
+              <a:t>8/1/2022</a:t>
             </a:fld>
             <a:endParaRPr lang="en-US"/>
           </a:p>
@@ -2099,7 +2099,7 @@
           <a:p>
             <a:fld id="{A24D1F3A-D1EF-447E-A819-3BB187B73454}" type="datetimeFigureOut">
               <a:rPr lang="en-US" smtClean="0"/>
-              <a:t>7/27/2022</a:t>
+              <a:t>8/1/2022</a:t>
             </a:fld>
             <a:endParaRPr lang="en-US"/>
           </a:p>
@@ -2352,7 +2352,7 @@
           <a:p>
             <a:fld id="{A24D1F3A-D1EF-447E-A819-3BB187B73454}" type="datetimeFigureOut">
               <a:rPr lang="en-US" smtClean="0"/>
-              <a:t>7/27/2022</a:t>
+              <a:t>8/1/2022</a:t>
             </a:fld>
             <a:endParaRPr lang="en-US"/>
           </a:p>
@@ -2565,7 +2565,7 @@
           <a:p>
             <a:fld id="{A24D1F3A-D1EF-447E-A819-3BB187B73454}" type="datetimeFigureOut">
               <a:rPr lang="en-US" smtClean="0"/>
-              <a:t>7/27/2022</a:t>
+              <a:t>8/1/2022</a:t>
             </a:fld>
             <a:endParaRPr lang="en-US"/>
           </a:p>
@@ -3129,8 +3129,8 @@
         </p:nvSpPr>
         <p:spPr>
           <a:xfrm>
-            <a:off x="6096000" y="317500"/>
-            <a:ext cx="330540" cy="338554"/>
+            <a:off x="5939380" y="114221"/>
+            <a:ext cx="355741" cy="369332"/>
           </a:xfrm>
           <a:prstGeom prst="rect">
             <a:avLst/>
@@ -3138,16 +3138,16 @@
           <a:noFill/>
         </p:spPr>
         <p:txBody>
-          <a:bodyPr wrap="none" rtlCol="0">
+          <a:bodyPr wrap="square" rtlCol="0">
             <a:spAutoFit/>
           </a:bodyPr>
           <a:lstStyle/>
           <a:p>
             <a:r>
-              <a:rPr lang="es-ES" sz="1600" dirty="0"/>
+              <a:rPr lang="es-ES" dirty="0"/>
               <a:t>IF</a:t>
             </a:r>
-            <a:endParaRPr lang="en-US" sz="1600" dirty="0"/>
+            <a:endParaRPr lang="en-US" dirty="0"/>
           </a:p>
         </p:txBody>
       </p:sp>
@@ -3159,8 +3159,8 @@
         </p:nvSpPr>
         <p:spPr>
           <a:xfrm>
-            <a:off x="3549635" y="1231696"/>
-            <a:ext cx="308098" cy="276999"/>
+            <a:off x="1018441" y="1239677"/>
+            <a:ext cx="308098" cy="307777"/>
           </a:xfrm>
           <a:prstGeom prst="rect">
             <a:avLst/>
@@ -3174,10 +3174,10 @@
           <a:lstStyle/>
           <a:p>
             <a:r>
-              <a:rPr lang="es-ES" sz="1200" dirty="0"/>
+              <a:rPr lang="es-ES" sz="1400" dirty="0"/>
               <a:t>If</a:t>
             </a:r>
-            <a:endParaRPr lang="en-US" sz="1200" dirty="0"/>
+            <a:endParaRPr lang="en-US" sz="1400" dirty="0"/>
           </a:p>
         </p:txBody>
       </p:sp>
@@ -3189,8 +3189,8 @@
         </p:nvSpPr>
         <p:spPr>
           <a:xfrm>
-            <a:off x="3918368" y="1234488"/>
-            <a:ext cx="231154" cy="276999"/>
+            <a:off x="2275224" y="1239677"/>
+            <a:ext cx="239168" cy="307777"/>
           </a:xfrm>
           <a:prstGeom prst="rect">
             <a:avLst/>
@@ -3204,10 +3204,10 @@
           <a:lstStyle/>
           <a:p>
             <a:r>
-              <a:rPr lang="es-ES" sz="1200" dirty="0"/>
+              <a:rPr lang="es-ES" sz="1400" dirty="0"/>
               <a:t>(</a:t>
             </a:r>
-            <a:endParaRPr lang="en-US" sz="1200" dirty="0"/>
+            <a:endParaRPr lang="en-US" sz="1400" dirty="0"/>
           </a:p>
         </p:txBody>
       </p:sp>
@@ -3219,8 +3219,8 @@
         </p:nvSpPr>
         <p:spPr>
           <a:xfrm>
-            <a:off x="4186184" y="1234488"/>
-            <a:ext cx="2340962" cy="276999"/>
+            <a:off x="3697794" y="1233606"/>
+            <a:ext cx="2695803" cy="307777"/>
           </a:xfrm>
           <a:prstGeom prst="rect">
             <a:avLst/>
@@ -3234,10 +3234,10 @@
           <a:lstStyle/>
           <a:p>
             <a:r>
-              <a:rPr lang="es-ES" sz="1200" dirty="0"/>
+              <a:rPr lang="es-ES" sz="1400" dirty="0"/>
               <a:t>SENTENCIA_BOOLEANA_ANIDADA</a:t>
             </a:r>
-            <a:endParaRPr lang="en-US" sz="1200" dirty="0"/>
+            <a:endParaRPr lang="en-US" sz="1400" dirty="0"/>
           </a:p>
         </p:txBody>
       </p:sp>
@@ -3250,7 +3250,7 @@
         <p:spPr>
           <a:xfrm>
             <a:off x="6801160" y="1231696"/>
-            <a:ext cx="231154" cy="276999"/>
+            <a:ext cx="239168" cy="307777"/>
           </a:xfrm>
           <a:prstGeom prst="rect">
             <a:avLst/>
@@ -3264,10 +3264,10 @@
           <a:lstStyle/>
           <a:p>
             <a:r>
-              <a:rPr lang="es-ES" sz="1200" dirty="0"/>
+              <a:rPr lang="es-ES" sz="1400" dirty="0"/>
               <a:t>)</a:t>
             </a:r>
-            <a:endParaRPr lang="en-US" sz="1200" dirty="0"/>
+            <a:endParaRPr lang="en-US" sz="1400" dirty="0"/>
           </a:p>
         </p:txBody>
       </p:sp>
@@ -3283,8 +3283,8 @@
         </p:nvCxnSpPr>
         <p:spPr>
           <a:xfrm flipH="1">
-            <a:off x="3703684" y="656054"/>
-            <a:ext cx="2557586" cy="575642"/>
+            <a:off x="1172490" y="483553"/>
+            <a:ext cx="4944761" cy="756124"/>
           </a:xfrm>
           <a:prstGeom prst="line">
             <a:avLst/>
@@ -3316,8 +3316,8 @@
         </p:nvCxnSpPr>
         <p:spPr>
           <a:xfrm flipH="1">
-            <a:off x="4033945" y="656054"/>
-            <a:ext cx="2227325" cy="578434"/>
+            <a:off x="2394808" y="483553"/>
+            <a:ext cx="3722443" cy="756124"/>
           </a:xfrm>
           <a:prstGeom prst="line">
             <a:avLst/>
@@ -3349,8 +3349,8 @@
         </p:nvCxnSpPr>
         <p:spPr>
           <a:xfrm flipH="1">
-            <a:off x="5356665" y="656054"/>
-            <a:ext cx="904605" cy="578434"/>
+            <a:off x="5045696" y="483553"/>
+            <a:ext cx="1071555" cy="750053"/>
           </a:xfrm>
           <a:prstGeom prst="line">
             <a:avLst/>
@@ -3382,8 +3382,8 @@
         </p:nvCxnSpPr>
         <p:spPr>
           <a:xfrm>
-            <a:off x="6261270" y="656054"/>
-            <a:ext cx="655467" cy="575642"/>
+            <a:off x="6117251" y="483553"/>
+            <a:ext cx="803493" cy="748143"/>
           </a:xfrm>
           <a:prstGeom prst="line">
             <a:avLst/>
@@ -3418,8 +3418,8 @@
         </p:nvSpPr>
         <p:spPr>
           <a:xfrm>
-            <a:off x="7792875" y="2145892"/>
-            <a:ext cx="542393" cy="276999"/>
+            <a:off x="8665164" y="2118446"/>
+            <a:ext cx="601447" cy="307777"/>
           </a:xfrm>
           <a:prstGeom prst="rect">
             <a:avLst/>
@@ -3432,10 +3432,10 @@
           <a:lstStyle/>
           <a:p>
             <a:r>
-              <a:rPr lang="es-ES" sz="1200" dirty="0"/>
+              <a:rPr lang="es-ES" sz="1400" dirty="0"/>
               <a:t>COUT</a:t>
             </a:r>
-            <a:endParaRPr lang="en-US" sz="1200" dirty="0"/>
+            <a:endParaRPr lang="en-US" sz="1400" dirty="0"/>
           </a:p>
         </p:txBody>
       </p:sp>
@@ -3453,21 +3453,21 @@
         </p:nvSpPr>
         <p:spPr>
           <a:xfrm>
-            <a:off x="9048432" y="3279560"/>
-            <a:ext cx="628505" cy="276999"/>
+            <a:off x="9569264" y="3301305"/>
+            <a:ext cx="1015402" cy="307777"/>
           </a:xfrm>
           <a:prstGeom prst="rect">
             <a:avLst/>
           </a:prstGeom>
         </p:spPr>
         <p:txBody>
-          <a:bodyPr wrap="none">
+          <a:bodyPr wrap="square">
             <a:spAutoFit/>
           </a:bodyPr>
           <a:lstStyle/>
           <a:p>
             <a:r>
-              <a:rPr lang="en-US" sz="1200" dirty="0"/>
+              <a:rPr lang="en-US" sz="1400" dirty="0"/>
               <a:t>SALIDA</a:t>
             </a:r>
           </a:p>
@@ -3487,8 +3487,8 @@
         </p:nvSpPr>
         <p:spPr>
           <a:xfrm>
-            <a:off x="7869485" y="3263068"/>
-            <a:ext cx="482691" cy="276999"/>
+            <a:off x="7858022" y="3299327"/>
+            <a:ext cx="783327" cy="307777"/>
           </a:xfrm>
           <a:prstGeom prst="rect">
             <a:avLst/>
@@ -3501,7 +3501,7 @@
           <a:lstStyle/>
           <a:p>
             <a:r>
-              <a:rPr lang="en-US" sz="1200" dirty="0"/>
+              <a:rPr lang="en-US" sz="1400" dirty="0"/>
               <a:t>cout</a:t>
             </a:r>
           </a:p>
@@ -3521,21 +3521,21 @@
         </p:nvSpPr>
         <p:spPr>
           <a:xfrm>
-            <a:off x="8529405" y="3263068"/>
-            <a:ext cx="338554" cy="276999"/>
+            <a:off x="8686563" y="3299328"/>
+            <a:ext cx="527047" cy="307777"/>
           </a:xfrm>
           <a:prstGeom prst="rect">
             <a:avLst/>
           </a:prstGeom>
         </p:spPr>
         <p:txBody>
-          <a:bodyPr wrap="none">
+          <a:bodyPr wrap="square">
             <a:spAutoFit/>
           </a:bodyPr>
           <a:lstStyle/>
           <a:p>
             <a:r>
-              <a:rPr lang="en-US" sz="1200" dirty="0"/>
+              <a:rPr lang="en-US" sz="1400" dirty="0"/>
               <a:t>&lt;&lt;</a:t>
             </a:r>
           </a:p>
@@ -3558,13 +3558,18 @@
           <p:nvPr/>
         </p:nvCxnSpPr>
         <p:spPr>
-          <a:xfrm>
-            <a:off x="8064072" y="2422891"/>
-            <a:ext cx="46759" cy="840177"/>
+          <a:xfrm flipH="1">
+            <a:off x="8249686" y="2426223"/>
+            <a:ext cx="716202" cy="873104"/>
           </a:xfrm>
           <a:prstGeom prst="line">
             <a:avLst/>
           </a:prstGeom>
+          <a:ln>
+            <a:solidFill>
+              <a:schemeClr val="accent4"/>
+            </a:solidFill>
+          </a:ln>
         </p:spPr>
         <p:style>
           <a:lnRef idx="1">
@@ -3597,13 +3602,18 @@
           <p:nvPr/>
         </p:nvCxnSpPr>
         <p:spPr>
-          <a:xfrm>
-            <a:off x="8064072" y="2422891"/>
-            <a:ext cx="634610" cy="840177"/>
+          <a:xfrm flipH="1">
+            <a:off x="8950087" y="2426223"/>
+            <a:ext cx="15801" cy="873105"/>
           </a:xfrm>
           <a:prstGeom prst="line">
             <a:avLst/>
           </a:prstGeom>
+          <a:ln>
+            <a:solidFill>
+              <a:schemeClr val="accent4"/>
+            </a:solidFill>
+          </a:ln>
         </p:spPr>
         <p:style>
           <a:lnRef idx="1">
@@ -3637,158 +3647,17 @@
         </p:nvCxnSpPr>
         <p:spPr>
           <a:xfrm>
-            <a:off x="8064072" y="2422891"/>
-            <a:ext cx="1298613" cy="856669"/>
+            <a:off x="8965888" y="2426223"/>
+            <a:ext cx="1111077" cy="875082"/>
           </a:xfrm>
           <a:prstGeom prst="line">
             <a:avLst/>
           </a:prstGeom>
-        </p:spPr>
-        <p:style>
-          <a:lnRef idx="1">
-            <a:schemeClr val="accent1"/>
-          </a:lnRef>
-          <a:fillRef idx="0">
-            <a:schemeClr val="accent1"/>
-          </a:fillRef>
-          <a:effectRef idx="0">
-            <a:schemeClr val="accent1"/>
-          </a:effectRef>
-          <a:fontRef idx="minor">
-            <a:schemeClr val="tx1"/>
-          </a:fontRef>
-        </p:style>
-      </p:cxnSp>
-      <p:sp>
-        <p:nvSpPr>
-          <p:cNvPr id="146" name="CuadroTexto 145">
-            <a:extLst>
-              <a:ext uri="{FF2B5EF4-FFF2-40B4-BE49-F238E27FC236}">
-                <a16:creationId xmlns:a16="http://schemas.microsoft.com/office/drawing/2014/main" id="{0CAA9EED-1614-4270-8448-5FB8584A4B83}"/>
-              </a:ext>
-            </a:extLst>
-          </p:cNvPr>
-          <p:cNvSpPr txBox="1"/>
-          <p:nvPr/>
-        </p:nvSpPr>
-        <p:spPr>
-          <a:xfrm>
-            <a:off x="10892473" y="4274730"/>
-            <a:ext cx="248786" cy="276999"/>
-          </a:xfrm>
-          <a:prstGeom prst="rect">
-            <a:avLst/>
-          </a:prstGeom>
-          <a:noFill/>
-        </p:spPr>
-        <p:txBody>
-          <a:bodyPr wrap="none" rtlCol="0">
-            <a:spAutoFit/>
-          </a:bodyPr>
-          <a:lstStyle/>
-          <a:p>
-            <a:r>
-              <a:rPr lang="es-ES" sz="1200" dirty="0"/>
-              <a:t>”</a:t>
-            </a:r>
-            <a:endParaRPr lang="en-US" sz="1200" dirty="0"/>
-          </a:p>
-        </p:txBody>
-      </p:sp>
-      <p:sp>
-        <p:nvSpPr>
-          <p:cNvPr id="150" name="CuadroTexto 149">
-            <a:extLst>
-              <a:ext uri="{FF2B5EF4-FFF2-40B4-BE49-F238E27FC236}">
-                <a16:creationId xmlns:a16="http://schemas.microsoft.com/office/drawing/2014/main" id="{8F54C16E-E1B8-4ED2-B2D9-3F46799D791E}"/>
-              </a:ext>
-            </a:extLst>
-          </p:cNvPr>
-          <p:cNvSpPr txBox="1"/>
-          <p:nvPr/>
-        </p:nvSpPr>
-        <p:spPr>
-          <a:xfrm>
-            <a:off x="7598014" y="4274729"/>
-            <a:ext cx="248786" cy="276999"/>
-          </a:xfrm>
-          <a:prstGeom prst="rect">
-            <a:avLst/>
-          </a:prstGeom>
-          <a:noFill/>
-        </p:spPr>
-        <p:txBody>
-          <a:bodyPr wrap="none" rtlCol="0">
-            <a:spAutoFit/>
-          </a:bodyPr>
-          <a:lstStyle/>
-          <a:p>
-            <a:r>
-              <a:rPr lang="es-ES" sz="1200" dirty="0"/>
-              <a:t>“</a:t>
-            </a:r>
-            <a:endParaRPr lang="en-US" sz="1200" dirty="0"/>
-          </a:p>
-        </p:txBody>
-      </p:sp>
-      <p:sp>
-        <p:nvSpPr>
-          <p:cNvPr id="152" name="Rectángulo 151">
-            <a:extLst>
-              <a:ext uri="{FF2B5EF4-FFF2-40B4-BE49-F238E27FC236}">
-                <a16:creationId xmlns:a16="http://schemas.microsoft.com/office/drawing/2014/main" id="{2FEBA33C-2F21-4372-A768-26C9749BA1B8}"/>
-              </a:ext>
-            </a:extLst>
-          </p:cNvPr>
-          <p:cNvSpPr/>
-          <p:nvPr/>
-        </p:nvSpPr>
-        <p:spPr>
-          <a:xfrm>
-            <a:off x="7971193" y="4276706"/>
-            <a:ext cx="2796887" cy="276999"/>
-          </a:xfrm>
-          <a:prstGeom prst="rect">
-            <a:avLst/>
-          </a:prstGeom>
-        </p:spPr>
-        <p:txBody>
-          <a:bodyPr wrap="square">
-            <a:spAutoFit/>
-          </a:bodyPr>
-          <a:lstStyle/>
-          <a:p>
-            <a:pPr algn="ctr"/>
-            <a:r>
-              <a:rPr lang="en-US" sz="1200" dirty="0"/>
-              <a:t>Contrasenia correcta. Bienvenido</a:t>
-            </a:r>
-          </a:p>
-        </p:txBody>
-      </p:sp>
-      <p:cxnSp>
-        <p:nvCxnSpPr>
-          <p:cNvPr id="176" name="Conector recto 175">
-            <a:extLst>
-              <a:ext uri="{FF2B5EF4-FFF2-40B4-BE49-F238E27FC236}">
-                <a16:creationId xmlns:a16="http://schemas.microsoft.com/office/drawing/2014/main" id="{FD5692B3-93F3-4F59-A80D-59DF933D9916}"/>
-              </a:ext>
-            </a:extLst>
-          </p:cNvPr>
-          <p:cNvCxnSpPr>
-            <a:stCxn id="128" idx="2"/>
-            <a:endCxn id="146" idx="0"/>
-          </p:cNvCxnSpPr>
-          <p:nvPr/>
-        </p:nvCxnSpPr>
-        <p:spPr>
-          <a:xfrm>
-            <a:off x="9362685" y="3556559"/>
-            <a:ext cx="1654181" cy="718171"/>
-          </a:xfrm>
-          <a:prstGeom prst="line">
-            <a:avLst/>
-          </a:prstGeom>
+          <a:ln>
+            <a:solidFill>
+              <a:schemeClr val="accent4"/>
+            </a:solidFill>
+          </a:ln>
         </p:spPr>
         <p:style>
           <a:lnRef idx="1">
@@ -3817,53 +3686,14 @@
           <p:cNvCxnSpPr>
             <a:cxnSpLocks/>
             <a:stCxn id="128" idx="2"/>
-            <a:endCxn id="152" idx="0"/>
+            <a:endCxn id="126" idx="0"/>
           </p:cNvCxnSpPr>
           <p:nvPr/>
         </p:nvCxnSpPr>
         <p:spPr>
           <a:xfrm>
-            <a:off x="9362685" y="3556559"/>
-            <a:ext cx="6952" cy="720147"/>
-          </a:xfrm>
-          <a:prstGeom prst="line">
-            <a:avLst/>
-          </a:prstGeom>
-        </p:spPr>
-        <p:style>
-          <a:lnRef idx="1">
-            <a:schemeClr val="accent1"/>
-          </a:lnRef>
-          <a:fillRef idx="0">
-            <a:schemeClr val="accent1"/>
-          </a:fillRef>
-          <a:effectRef idx="0">
-            <a:schemeClr val="accent1"/>
-          </a:effectRef>
-          <a:fontRef idx="minor">
-            <a:schemeClr val="tx1"/>
-          </a:fontRef>
-        </p:style>
-      </p:cxnSp>
-      <p:cxnSp>
-        <p:nvCxnSpPr>
-          <p:cNvPr id="178" name="Conector recto 177">
-            <a:extLst>
-              <a:ext uri="{FF2B5EF4-FFF2-40B4-BE49-F238E27FC236}">
-                <a16:creationId xmlns:a16="http://schemas.microsoft.com/office/drawing/2014/main" id="{65DED3C5-4278-4D4F-8BB8-C15054CCC33D}"/>
-              </a:ext>
-            </a:extLst>
-          </p:cNvPr>
-          <p:cNvCxnSpPr>
-            <a:stCxn id="128" idx="2"/>
-            <a:endCxn id="150" idx="0"/>
-          </p:cNvCxnSpPr>
-          <p:nvPr/>
-        </p:nvCxnSpPr>
-        <p:spPr>
-          <a:xfrm flipH="1">
-            <a:off x="7722407" y="3556559"/>
-            <a:ext cx="1640278" cy="718170"/>
+            <a:off x="10076965" y="3609082"/>
+            <a:ext cx="0" cy="663113"/>
           </a:xfrm>
           <a:prstGeom prst="line">
             <a:avLst/>
@@ -3898,8 +3728,8 @@
         </p:nvSpPr>
         <p:spPr>
           <a:xfrm>
-            <a:off x="7619079" y="1234488"/>
-            <a:ext cx="889987" cy="276999"/>
+            <a:off x="8462385" y="1241397"/>
+            <a:ext cx="1007007" cy="307777"/>
           </a:xfrm>
           <a:prstGeom prst="rect">
             <a:avLst/>
@@ -3913,10 +3743,10 @@
           <a:lstStyle/>
           <a:p>
             <a:r>
-              <a:rPr lang="es-ES" sz="1200" dirty="0"/>
+              <a:rPr lang="es-ES" sz="1400" dirty="0"/>
               <a:t>SENTENCIA</a:t>
             </a:r>
-            <a:endParaRPr lang="en-US" sz="1200" dirty="0"/>
+            <a:endParaRPr lang="en-US" sz="1400" dirty="0"/>
           </a:p>
         </p:txBody>
       </p:sp>
@@ -3935,7 +3765,7 @@
         <p:spPr>
           <a:xfrm>
             <a:off x="7237572" y="1239677"/>
-            <a:ext cx="232756" cy="276999"/>
+            <a:ext cx="240772" cy="307777"/>
           </a:xfrm>
           <a:prstGeom prst="rect">
             <a:avLst/>
@@ -3949,10 +3779,10 @@
           <a:lstStyle/>
           <a:p>
             <a:r>
-              <a:rPr lang="es-ES" sz="1200" dirty="0"/>
+              <a:rPr lang="es-ES" sz="1400" dirty="0"/>
               <a:t>{</a:t>
             </a:r>
-            <a:endParaRPr lang="en-US" sz="1200" dirty="0"/>
+            <a:endParaRPr lang="en-US" sz="1400" dirty="0"/>
           </a:p>
         </p:txBody>
       </p:sp>
@@ -3970,8 +3800,8 @@
         </p:nvSpPr>
         <p:spPr>
           <a:xfrm>
-            <a:off x="8738074" y="1234488"/>
-            <a:ext cx="232756" cy="276999"/>
+            <a:off x="10928156" y="1239677"/>
+            <a:ext cx="240772" cy="307777"/>
           </a:xfrm>
           <a:prstGeom prst="rect">
             <a:avLst/>
@@ -3985,10 +3815,10 @@
           <a:lstStyle/>
           <a:p>
             <a:r>
-              <a:rPr lang="es-ES" sz="1200" dirty="0"/>
+              <a:rPr lang="es-ES" sz="1400" dirty="0"/>
               <a:t>}</a:t>
             </a:r>
-            <a:endParaRPr lang="en-US" sz="1200" dirty="0"/>
+            <a:endParaRPr lang="en-US" sz="1400" dirty="0"/>
           </a:p>
         </p:txBody>
       </p:sp>
@@ -4008,8 +3838,8 @@
         </p:nvSpPr>
         <p:spPr>
           <a:xfrm>
-            <a:off x="9586396" y="3279560"/>
-            <a:ext cx="621026" cy="505728"/>
+            <a:off x="10934451" y="3301306"/>
+            <a:ext cx="210554" cy="307777"/>
           </a:xfrm>
           <a:prstGeom prst="rect">
             <a:avLst/>
@@ -4185,10 +4015,10 @@
           </a:lstStyle>
           <a:p>
             <a:r>
-              <a:rPr lang="es-ES" sz="1200" dirty="0"/>
+              <a:rPr lang="es-ES" sz="1400" dirty="0"/>
               <a:t>;</a:t>
             </a:r>
-            <a:endParaRPr lang="en-US" sz="1200" dirty="0"/>
+            <a:endParaRPr lang="en-US" sz="1400" dirty="0"/>
           </a:p>
         </p:txBody>
       </p:sp>
@@ -4206,8 +4036,8 @@
         </p:nvSpPr>
         <p:spPr>
           <a:xfrm>
-            <a:off x="4086894" y="2145892"/>
-            <a:ext cx="2539541" cy="276999"/>
+            <a:off x="3581832" y="2118446"/>
+            <a:ext cx="2927725" cy="307777"/>
           </a:xfrm>
           <a:prstGeom prst="rect">
             <a:avLst/>
@@ -4221,7 +4051,7 @@
           <a:lstStyle/>
           <a:p>
             <a:r>
-              <a:rPr lang="en-US" sz="1200" dirty="0"/>
+              <a:rPr lang="en-US" sz="1400" dirty="0"/>
               <a:t>SENTENCIA_BOOLEANA_COMPUESTA</a:t>
             </a:r>
           </a:p>
@@ -4241,8 +4071,8 @@
         </p:nvSpPr>
         <p:spPr>
           <a:xfrm>
-            <a:off x="903355" y="3289162"/>
-            <a:ext cx="2209195" cy="276999"/>
+            <a:off x="191639" y="3301307"/>
+            <a:ext cx="2543966" cy="307777"/>
           </a:xfrm>
           <a:prstGeom prst="rect">
             <a:avLst/>
@@ -4256,7 +4086,7 @@
           <a:lstStyle/>
           <a:p>
             <a:r>
-              <a:rPr lang="en-US" sz="1200" dirty="0"/>
+              <a:rPr lang="en-US" sz="1400" dirty="0"/>
               <a:t>SENTENCIA_BOOLEANA_SIMPLE</a:t>
             </a:r>
           </a:p>
@@ -4276,8 +4106,8 @@
         </p:nvSpPr>
         <p:spPr>
           <a:xfrm>
-            <a:off x="5137041" y="3289164"/>
-            <a:ext cx="2209195" cy="276999"/>
+            <a:off x="4915070" y="3301307"/>
+            <a:ext cx="2543966" cy="307777"/>
           </a:xfrm>
           <a:prstGeom prst="rect">
             <a:avLst/>
@@ -4291,7 +4121,7 @@
           <a:lstStyle/>
           <a:p>
             <a:r>
-              <a:rPr lang="en-US" sz="1200" dirty="0"/>
+              <a:rPr lang="en-US" sz="1400" dirty="0"/>
               <a:t>SENTENCIA_BOOLEANA_SIMPLE</a:t>
             </a:r>
           </a:p>
@@ -4311,8 +4141,8 @@
         </p:nvSpPr>
         <p:spPr>
           <a:xfrm>
-            <a:off x="3243355" y="3301307"/>
-            <a:ext cx="1849669" cy="276999"/>
+            <a:off x="2877999" y="3301307"/>
+            <a:ext cx="2241101" cy="307777"/>
           </a:xfrm>
           <a:prstGeom prst="rect">
             <a:avLst/>
@@ -4326,10 +4156,10 @@
           <a:lstStyle/>
           <a:p>
             <a:r>
-              <a:rPr lang="es-ES" sz="1200" dirty="0"/>
+              <a:rPr lang="es-ES" sz="1400" dirty="0"/>
               <a:t>OPERADOR_RELACIONAL</a:t>
             </a:r>
-            <a:endParaRPr lang="en-US" sz="1200" dirty="0"/>
+            <a:endParaRPr lang="en-US" sz="1400" dirty="0"/>
           </a:p>
         </p:txBody>
       </p:sp>
@@ -4350,12 +4180,17 @@
         </p:nvCxnSpPr>
         <p:spPr>
           <a:xfrm flipH="1">
-            <a:off x="2007953" y="2422891"/>
-            <a:ext cx="3348712" cy="866271"/>
+            <a:off x="1463622" y="2426223"/>
+            <a:ext cx="3582073" cy="875084"/>
           </a:xfrm>
           <a:prstGeom prst="line">
             <a:avLst/>
           </a:prstGeom>
+          <a:ln>
+            <a:solidFill>
+              <a:schemeClr val="accent2"/>
+            </a:solidFill>
+          </a:ln>
         </p:spPr>
         <p:style>
           <a:lnRef idx="1">
@@ -4390,12 +4225,17 @@
         </p:nvCxnSpPr>
         <p:spPr>
           <a:xfrm flipH="1">
-            <a:off x="4168190" y="2422891"/>
-            <a:ext cx="1188475" cy="878416"/>
+            <a:off x="3998550" y="2426223"/>
+            <a:ext cx="1047145" cy="875084"/>
           </a:xfrm>
           <a:prstGeom prst="line">
             <a:avLst/>
           </a:prstGeom>
+          <a:ln>
+            <a:solidFill>
+              <a:schemeClr val="accent2"/>
+            </a:solidFill>
+          </a:ln>
         </p:spPr>
         <p:style>
           <a:lnRef idx="1">
@@ -4429,12 +4269,17 @@
         </p:nvCxnSpPr>
         <p:spPr>
           <a:xfrm>
-            <a:off x="5356665" y="2422891"/>
-            <a:ext cx="884974" cy="866273"/>
+            <a:off x="5045695" y="2426223"/>
+            <a:ext cx="1141358" cy="875084"/>
           </a:xfrm>
           <a:prstGeom prst="line">
             <a:avLst/>
           </a:prstGeom>
+          <a:ln>
+            <a:solidFill>
+              <a:schemeClr val="accent2"/>
+            </a:solidFill>
+          </a:ln>
         </p:spPr>
         <p:style>
           <a:lnRef idx="1">
@@ -4465,8 +4310,8 @@
         </p:nvSpPr>
         <p:spPr>
           <a:xfrm>
-            <a:off x="1363024" y="4327805"/>
-            <a:ext cx="1311706" cy="276999"/>
+            <a:off x="714122" y="4333964"/>
+            <a:ext cx="1499000" cy="307777"/>
           </a:xfrm>
           <a:prstGeom prst="rect">
             <a:avLst/>
@@ -4479,7 +4324,7 @@
           <a:lstStyle/>
           <a:p>
             <a:r>
-              <a:rPr lang="en-US" sz="1200" dirty="0"/>
+              <a:rPr lang="en-US" sz="1400" dirty="0"/>
               <a:t>IDENTIFICADORES</a:t>
             </a:r>
           </a:p>
@@ -4499,8 +4344,8 @@
         </p:nvSpPr>
         <p:spPr>
           <a:xfrm>
-            <a:off x="1628129" y="5125822"/>
-            <a:ext cx="781496" cy="276999"/>
+            <a:off x="1022732" y="5207327"/>
+            <a:ext cx="881780" cy="307777"/>
           </a:xfrm>
           <a:prstGeom prst="rect">
             <a:avLst/>
@@ -4514,7 +4359,7 @@
           <a:lstStyle/>
           <a:p>
             <a:r>
-              <a:rPr lang="en-US" sz="1200" dirty="0"/>
+              <a:rPr lang="en-US" sz="1400" dirty="0"/>
               <a:t>password</a:t>
             </a:r>
           </a:p>
@@ -4534,8 +4379,8 @@
         </p:nvSpPr>
         <p:spPr>
           <a:xfrm>
-            <a:off x="3998913" y="4323999"/>
-            <a:ext cx="338554" cy="276999"/>
+            <a:off x="3830113" y="4333964"/>
+            <a:ext cx="364202" cy="307777"/>
           </a:xfrm>
           <a:prstGeom prst="rect">
             <a:avLst/>
@@ -4549,10 +4394,10 @@
           <a:lstStyle/>
           <a:p>
             <a:r>
-              <a:rPr lang="es-ES" sz="1200" dirty="0"/>
+              <a:rPr lang="es-ES" sz="1400" dirty="0"/>
               <a:t>==</a:t>
             </a:r>
-            <a:endParaRPr lang="en-US" sz="1200" dirty="0"/>
+            <a:endParaRPr lang="en-US" sz="1400" dirty="0"/>
           </a:p>
         </p:txBody>
       </p:sp>
@@ -4573,8 +4418,8 @@
         </p:nvCxnSpPr>
         <p:spPr>
           <a:xfrm>
-            <a:off x="4168190" y="3578306"/>
-            <a:ext cx="0" cy="745693"/>
+            <a:off x="3998550" y="3609084"/>
+            <a:ext cx="13664" cy="724880"/>
           </a:xfrm>
           <a:prstGeom prst="line">
             <a:avLst/>
@@ -4612,12 +4457,17 @@
         </p:nvCxnSpPr>
         <p:spPr>
           <a:xfrm>
-            <a:off x="2007953" y="3566161"/>
-            <a:ext cx="10924" cy="761644"/>
+            <a:off x="1463622" y="3609084"/>
+            <a:ext cx="0" cy="724880"/>
           </a:xfrm>
           <a:prstGeom prst="line">
             <a:avLst/>
           </a:prstGeom>
+          <a:ln>
+            <a:solidFill>
+              <a:schemeClr val="accent6"/>
+            </a:solidFill>
+          </a:ln>
         </p:spPr>
         <p:style>
           <a:lnRef idx="1">
@@ -4651,154 +4501,8 @@
         </p:nvCxnSpPr>
         <p:spPr>
           <a:xfrm>
-            <a:off x="2018877" y="4604804"/>
-            <a:ext cx="0" cy="521018"/>
-          </a:xfrm>
-          <a:prstGeom prst="line">
-            <a:avLst/>
-          </a:prstGeom>
-        </p:spPr>
-        <p:style>
-          <a:lnRef idx="1">
-            <a:schemeClr val="accent1"/>
-          </a:lnRef>
-          <a:fillRef idx="0">
-            <a:schemeClr val="accent1"/>
-          </a:fillRef>
-          <a:effectRef idx="0">
-            <a:schemeClr val="accent1"/>
-          </a:effectRef>
-          <a:fontRef idx="minor">
-            <a:schemeClr val="tx1"/>
-          </a:fontRef>
-        </p:style>
-      </p:cxnSp>
-      <p:sp>
-        <p:nvSpPr>
-          <p:cNvPr id="210" name="CuadroTexto 209">
-            <a:extLst>
-              <a:ext uri="{FF2B5EF4-FFF2-40B4-BE49-F238E27FC236}">
-                <a16:creationId xmlns:a16="http://schemas.microsoft.com/office/drawing/2014/main" id="{E5FADD7D-1095-483B-9B21-8C3F1A135A02}"/>
-              </a:ext>
-            </a:extLst>
-          </p:cNvPr>
-          <p:cNvSpPr txBox="1"/>
-          <p:nvPr/>
-        </p:nvSpPr>
-        <p:spPr>
-          <a:xfrm>
-            <a:off x="6626435" y="4328763"/>
-            <a:ext cx="248786" cy="276999"/>
-          </a:xfrm>
-          <a:prstGeom prst="rect">
-            <a:avLst/>
-          </a:prstGeom>
-          <a:noFill/>
-        </p:spPr>
-        <p:txBody>
-          <a:bodyPr wrap="none" rtlCol="0">
-            <a:spAutoFit/>
-          </a:bodyPr>
-          <a:lstStyle/>
-          <a:p>
-            <a:r>
-              <a:rPr lang="es-ES" sz="1200" dirty="0"/>
-              <a:t>”</a:t>
-            </a:r>
-            <a:endParaRPr lang="en-US" sz="1200" dirty="0"/>
-          </a:p>
-        </p:txBody>
-      </p:sp>
-      <p:sp>
-        <p:nvSpPr>
-          <p:cNvPr id="212" name="CuadroTexto 211">
-            <a:extLst>
-              <a:ext uri="{FF2B5EF4-FFF2-40B4-BE49-F238E27FC236}">
-                <a16:creationId xmlns:a16="http://schemas.microsoft.com/office/drawing/2014/main" id="{96EDCC7C-C5D0-41F2-A75A-68F8E3AC4816}"/>
-              </a:ext>
-            </a:extLst>
-          </p:cNvPr>
-          <p:cNvSpPr txBox="1"/>
-          <p:nvPr/>
-        </p:nvSpPr>
-        <p:spPr>
-          <a:xfrm>
-            <a:off x="5633243" y="4326743"/>
-            <a:ext cx="248786" cy="276999"/>
-          </a:xfrm>
-          <a:prstGeom prst="rect">
-            <a:avLst/>
-          </a:prstGeom>
-          <a:noFill/>
-        </p:spPr>
-        <p:txBody>
-          <a:bodyPr wrap="none" rtlCol="0">
-            <a:spAutoFit/>
-          </a:bodyPr>
-          <a:lstStyle/>
-          <a:p>
-            <a:r>
-              <a:rPr lang="es-ES" sz="1200" dirty="0"/>
-              <a:t>“</a:t>
-            </a:r>
-            <a:endParaRPr lang="en-US" sz="1200" dirty="0"/>
-          </a:p>
-        </p:txBody>
-      </p:sp>
-      <p:sp>
-        <p:nvSpPr>
-          <p:cNvPr id="214" name="Rectángulo 213">
-            <a:extLst>
-              <a:ext uri="{FF2B5EF4-FFF2-40B4-BE49-F238E27FC236}">
-                <a16:creationId xmlns:a16="http://schemas.microsoft.com/office/drawing/2014/main" id="{2A72AB1E-A22B-44CC-95E2-98F7142578AA}"/>
-              </a:ext>
-            </a:extLst>
-          </p:cNvPr>
-          <p:cNvSpPr/>
-          <p:nvPr/>
-        </p:nvSpPr>
-        <p:spPr>
-          <a:xfrm>
-            <a:off x="5861335" y="4326742"/>
-            <a:ext cx="765100" cy="276999"/>
-          </a:xfrm>
-          <a:prstGeom prst="rect">
-            <a:avLst/>
-          </a:prstGeom>
-        </p:spPr>
-        <p:txBody>
-          <a:bodyPr wrap="square">
-            <a:spAutoFit/>
-          </a:bodyPr>
-          <a:lstStyle/>
-          <a:p>
-            <a:pPr algn="ctr"/>
-            <a:r>
-              <a:rPr lang="en-US" sz="1200" dirty="0"/>
-              <a:t>myClave</a:t>
-            </a:r>
-          </a:p>
-        </p:txBody>
-      </p:sp>
-      <p:cxnSp>
-        <p:nvCxnSpPr>
-          <p:cNvPr id="187" name="Conector recto 186">
-            <a:extLst>
-              <a:ext uri="{FF2B5EF4-FFF2-40B4-BE49-F238E27FC236}">
-                <a16:creationId xmlns:a16="http://schemas.microsoft.com/office/drawing/2014/main" id="{306AA1FE-683F-48B5-BBEC-F679A7EE244B}"/>
-              </a:ext>
-            </a:extLst>
-          </p:cNvPr>
-          <p:cNvCxnSpPr>
-            <a:stCxn id="193" idx="2"/>
-            <a:endCxn id="212" idx="0"/>
-          </p:cNvCxnSpPr>
-          <p:nvPr/>
-        </p:nvCxnSpPr>
-        <p:spPr>
-          <a:xfrm flipH="1">
-            <a:off x="5757636" y="3566163"/>
-            <a:ext cx="484003" cy="760580"/>
+            <a:off x="1463622" y="4641741"/>
+            <a:ext cx="0" cy="565586"/>
           </a:xfrm>
           <a:prstGeom prst="line">
             <a:avLst/>
@@ -4830,57 +4534,23 @@
           </p:cNvPr>
           <p:cNvCxnSpPr>
             <a:stCxn id="193" idx="2"/>
-            <a:endCxn id="214" idx="0"/>
+            <a:endCxn id="83" idx="0"/>
           </p:cNvCxnSpPr>
           <p:nvPr/>
         </p:nvCxnSpPr>
         <p:spPr>
           <a:xfrm>
-            <a:off x="6241639" y="3566163"/>
-            <a:ext cx="2246" cy="760579"/>
+            <a:off x="6187053" y="3609084"/>
+            <a:ext cx="0" cy="665645"/>
           </a:xfrm>
           <a:prstGeom prst="line">
             <a:avLst/>
           </a:prstGeom>
-        </p:spPr>
-        <p:style>
-          <a:lnRef idx="1">
-            <a:schemeClr val="accent1"/>
-          </a:lnRef>
-          <a:fillRef idx="0">
-            <a:schemeClr val="accent1"/>
-          </a:fillRef>
-          <a:effectRef idx="0">
-            <a:schemeClr val="accent1"/>
-          </a:effectRef>
-          <a:fontRef idx="minor">
-            <a:schemeClr val="tx1"/>
-          </a:fontRef>
-        </p:style>
-      </p:cxnSp>
-      <p:cxnSp>
-        <p:nvCxnSpPr>
-          <p:cNvPr id="208" name="Conector recto 207">
-            <a:extLst>
-              <a:ext uri="{FF2B5EF4-FFF2-40B4-BE49-F238E27FC236}">
-                <a16:creationId xmlns:a16="http://schemas.microsoft.com/office/drawing/2014/main" id="{BFA2A509-ABD6-4B3D-8714-E914A900609E}"/>
-              </a:ext>
-            </a:extLst>
-          </p:cNvPr>
-          <p:cNvCxnSpPr>
-            <a:stCxn id="193" idx="2"/>
-            <a:endCxn id="210" idx="0"/>
-          </p:cNvCxnSpPr>
-          <p:nvPr/>
-        </p:nvCxnSpPr>
-        <p:spPr>
-          <a:xfrm>
-            <a:off x="6241639" y="3566163"/>
-            <a:ext cx="509189" cy="762600"/>
-          </a:xfrm>
-          <a:prstGeom prst="line">
-            <a:avLst/>
-          </a:prstGeom>
+          <a:ln>
+            <a:solidFill>
+              <a:schemeClr val="accent4"/>
+            </a:solidFill>
+          </a:ln>
         </p:spPr>
         <p:style>
           <a:lnRef idx="1">
@@ -4914,8 +4584,8 @@
         </p:nvCxnSpPr>
         <p:spPr>
           <a:xfrm>
-            <a:off x="6261270" y="656054"/>
-            <a:ext cx="1092680" cy="583623"/>
+            <a:off x="6117251" y="483553"/>
+            <a:ext cx="1240707" cy="756124"/>
           </a:xfrm>
           <a:prstGeom prst="line">
             <a:avLst/>
@@ -4953,8 +4623,8 @@
         </p:nvCxnSpPr>
         <p:spPr>
           <a:xfrm>
-            <a:off x="6261270" y="656054"/>
-            <a:ext cx="1802803" cy="578434"/>
+            <a:off x="6117251" y="483553"/>
+            <a:ext cx="2848638" cy="757844"/>
           </a:xfrm>
           <a:prstGeom prst="line">
             <a:avLst/>
@@ -4992,8 +4662,8 @@
         </p:nvCxnSpPr>
         <p:spPr>
           <a:xfrm>
-            <a:off x="6261270" y="656054"/>
-            <a:ext cx="2593182" cy="578434"/>
+            <a:off x="6117251" y="483553"/>
+            <a:ext cx="4931291" cy="756124"/>
           </a:xfrm>
           <a:prstGeom prst="line">
             <a:avLst/>
@@ -5030,13 +4700,18 @@
           <p:nvPr/>
         </p:nvCxnSpPr>
         <p:spPr>
-          <a:xfrm>
-            <a:off x="5356665" y="1511487"/>
-            <a:ext cx="0" cy="634405"/>
+          <a:xfrm flipH="1">
+            <a:off x="5045695" y="1541383"/>
+            <a:ext cx="1" cy="577063"/>
           </a:xfrm>
           <a:prstGeom prst="line">
             <a:avLst/>
           </a:prstGeom>
+          <a:ln>
+            <a:solidFill>
+              <a:schemeClr val="accent6"/>
+            </a:solidFill>
+          </a:ln>
         </p:spPr>
         <p:style>
           <a:lnRef idx="1">
@@ -5070,12 +4745,17 @@
         </p:nvCxnSpPr>
         <p:spPr>
           <a:xfrm flipH="1">
-            <a:off x="8064072" y="1511487"/>
-            <a:ext cx="1" cy="634405"/>
+            <a:off x="8965888" y="1549174"/>
+            <a:ext cx="1" cy="569272"/>
           </a:xfrm>
           <a:prstGeom prst="line">
             <a:avLst/>
           </a:prstGeom>
+          <a:ln>
+            <a:solidFill>
+              <a:schemeClr val="accent2"/>
+            </a:solidFill>
+          </a:ln>
         </p:spPr>
         <p:style>
           <a:lnRef idx="1">
@@ -5109,12 +4789,245 @@
         </p:nvCxnSpPr>
         <p:spPr>
           <a:xfrm>
-            <a:off x="8064072" y="2422891"/>
-            <a:ext cx="1832837" cy="856669"/>
+            <a:off x="8965888" y="2426223"/>
+            <a:ext cx="2073840" cy="875083"/>
           </a:xfrm>
           <a:prstGeom prst="line">
             <a:avLst/>
           </a:prstGeom>
+          <a:ln>
+            <a:solidFill>
+              <a:schemeClr val="accent4"/>
+            </a:solidFill>
+          </a:ln>
+        </p:spPr>
+        <p:style>
+          <a:lnRef idx="1">
+            <a:schemeClr val="accent1"/>
+          </a:lnRef>
+          <a:fillRef idx="0">
+            <a:schemeClr val="accent1"/>
+          </a:fillRef>
+          <a:effectRef idx="0">
+            <a:schemeClr val="accent1"/>
+          </a:effectRef>
+          <a:fontRef idx="minor">
+            <a:schemeClr val="tx1"/>
+          </a:fontRef>
+        </p:style>
+      </p:cxnSp>
+      <p:sp>
+        <p:nvSpPr>
+          <p:cNvPr id="83" name="CuadroTexto 82">
+            <a:extLst>
+              <a:ext uri="{FF2B5EF4-FFF2-40B4-BE49-F238E27FC236}">
+                <a16:creationId xmlns:a16="http://schemas.microsoft.com/office/drawing/2014/main" id="{6B7A3618-4965-44EF-AFBC-C46BD53F17D6}"/>
+              </a:ext>
+            </a:extLst>
+          </p:cNvPr>
+          <p:cNvSpPr txBox="1"/>
+          <p:nvPr/>
+        </p:nvSpPr>
+        <p:spPr>
+          <a:xfrm>
+            <a:off x="5492600" y="4274729"/>
+            <a:ext cx="1388906" cy="307777"/>
+          </a:xfrm>
+          <a:prstGeom prst="rect">
+            <a:avLst/>
+          </a:prstGeom>
+          <a:noFill/>
+        </p:spPr>
+        <p:txBody>
+          <a:bodyPr wrap="none" rtlCol="0">
+            <a:spAutoFit/>
+          </a:bodyPr>
+          <a:lstStyle/>
+          <a:p>
+            <a:r>
+              <a:rPr lang="en-US" sz="1400" dirty="0"/>
+              <a:t>STRING_LITERAL</a:t>
+            </a:r>
+            <a:endParaRPr lang="en-US" sz="1400" dirty="0"/>
+          </a:p>
+        </p:txBody>
+      </p:sp>
+      <p:sp>
+        <p:nvSpPr>
+          <p:cNvPr id="86" name="Rectángulo 85">
+            <a:extLst>
+              <a:ext uri="{FF2B5EF4-FFF2-40B4-BE49-F238E27FC236}">
+                <a16:creationId xmlns:a16="http://schemas.microsoft.com/office/drawing/2014/main" id="{2A72AB1E-A22B-44CC-95E2-98F7142578AA}"/>
+              </a:ext>
+            </a:extLst>
+          </p:cNvPr>
+          <p:cNvSpPr/>
+          <p:nvPr/>
+        </p:nvSpPr>
+        <p:spPr>
+          <a:xfrm>
+            <a:off x="5674499" y="5207328"/>
+            <a:ext cx="1025108" cy="307777"/>
+          </a:xfrm>
+          <a:prstGeom prst="rect">
+            <a:avLst/>
+          </a:prstGeom>
+        </p:spPr>
+        <p:txBody>
+          <a:bodyPr wrap="square">
+            <a:spAutoFit/>
+          </a:bodyPr>
+          <a:lstStyle/>
+          <a:p>
+            <a:pPr algn="ctr"/>
+            <a:r>
+              <a:rPr lang="en-US" sz="1400" dirty="0" smtClean="0"/>
+              <a:t>“myClave”</a:t>
+            </a:r>
+            <a:endParaRPr lang="en-US" sz="1400" dirty="0"/>
+          </a:p>
+        </p:txBody>
+      </p:sp>
+      <p:cxnSp>
+        <p:nvCxnSpPr>
+          <p:cNvPr id="82" name="Conector recto 81"/>
+          <p:cNvCxnSpPr>
+            <a:stCxn id="83" idx="2"/>
+            <a:endCxn id="86" idx="0"/>
+          </p:cNvCxnSpPr>
+          <p:nvPr/>
+        </p:nvCxnSpPr>
+        <p:spPr>
+          <a:xfrm>
+            <a:off x="6187053" y="4582506"/>
+            <a:ext cx="0" cy="624822"/>
+          </a:xfrm>
+          <a:prstGeom prst="line">
+            <a:avLst/>
+          </a:prstGeom>
+          <a:ln>
+            <a:solidFill>
+              <a:schemeClr val="accent6"/>
+            </a:solidFill>
+          </a:ln>
+        </p:spPr>
+        <p:style>
+          <a:lnRef idx="1">
+            <a:schemeClr val="accent1"/>
+          </a:lnRef>
+          <a:fillRef idx="0">
+            <a:schemeClr val="accent1"/>
+          </a:fillRef>
+          <a:effectRef idx="0">
+            <a:schemeClr val="accent1"/>
+          </a:effectRef>
+          <a:fontRef idx="minor">
+            <a:schemeClr val="tx1"/>
+          </a:fontRef>
+        </p:style>
+      </p:cxnSp>
+      <p:sp>
+        <p:nvSpPr>
+          <p:cNvPr id="126" name="CuadroTexto 125">
+            <a:extLst>
+              <a:ext uri="{FF2B5EF4-FFF2-40B4-BE49-F238E27FC236}">
+                <a16:creationId xmlns:a16="http://schemas.microsoft.com/office/drawing/2014/main" id="{6B7A3618-4965-44EF-AFBC-C46BD53F17D6}"/>
+              </a:ext>
+            </a:extLst>
+          </p:cNvPr>
+          <p:cNvSpPr txBox="1"/>
+          <p:nvPr/>
+        </p:nvSpPr>
+        <p:spPr>
+          <a:xfrm>
+            <a:off x="9382512" y="4272195"/>
+            <a:ext cx="1388906" cy="307777"/>
+          </a:xfrm>
+          <a:prstGeom prst="rect">
+            <a:avLst/>
+          </a:prstGeom>
+          <a:noFill/>
+        </p:spPr>
+        <p:txBody>
+          <a:bodyPr wrap="none" rtlCol="0">
+            <a:spAutoFit/>
+          </a:bodyPr>
+          <a:lstStyle/>
+          <a:p>
+            <a:r>
+              <a:rPr lang="en-US" sz="1400" dirty="0"/>
+              <a:t>STRING_LITERAL</a:t>
+            </a:r>
+            <a:endParaRPr lang="en-US" sz="1400" dirty="0"/>
+          </a:p>
+        </p:txBody>
+      </p:sp>
+      <p:sp>
+        <p:nvSpPr>
+          <p:cNvPr id="132" name="Rectángulo 131">
+            <a:extLst>
+              <a:ext uri="{FF2B5EF4-FFF2-40B4-BE49-F238E27FC236}">
+                <a16:creationId xmlns:a16="http://schemas.microsoft.com/office/drawing/2014/main" id="{2FEBA33C-2F21-4372-A768-26C9749BA1B8}"/>
+              </a:ext>
+            </a:extLst>
+          </p:cNvPr>
+          <p:cNvSpPr/>
+          <p:nvPr/>
+        </p:nvSpPr>
+        <p:spPr>
+          <a:xfrm>
+            <a:off x="8678521" y="5207328"/>
+            <a:ext cx="2796887" cy="307777"/>
+          </a:xfrm>
+          <a:prstGeom prst="rect">
+            <a:avLst/>
+          </a:prstGeom>
+        </p:spPr>
+        <p:txBody>
+          <a:bodyPr wrap="square">
+            <a:spAutoFit/>
+          </a:bodyPr>
+          <a:lstStyle/>
+          <a:p>
+            <a:pPr algn="ctr"/>
+            <a:r>
+              <a:rPr lang="en-US" sz="1400" dirty="0" smtClean="0"/>
+              <a:t>“Contrasenia </a:t>
+            </a:r>
+            <a:r>
+              <a:rPr lang="en-US" sz="1400" dirty="0"/>
+              <a:t>correcta. </a:t>
+            </a:r>
+            <a:r>
+              <a:rPr lang="en-US" sz="1400" dirty="0" smtClean="0"/>
+              <a:t>Bienvenido”</a:t>
+            </a:r>
+            <a:endParaRPr lang="en-US" sz="1400" dirty="0"/>
+          </a:p>
+        </p:txBody>
+      </p:sp>
+      <p:cxnSp>
+        <p:nvCxnSpPr>
+          <p:cNvPr id="88" name="Conector recto 87"/>
+          <p:cNvCxnSpPr>
+            <a:stCxn id="126" idx="2"/>
+            <a:endCxn id="132" idx="0"/>
+          </p:cNvCxnSpPr>
+          <p:nvPr/>
+        </p:nvCxnSpPr>
+        <p:spPr>
+          <a:xfrm>
+            <a:off x="10076965" y="4579972"/>
+            <a:ext cx="0" cy="627356"/>
+          </a:xfrm>
+          <a:prstGeom prst="line">
+            <a:avLst/>
+          </a:prstGeom>
+          <a:ln>
+            <a:solidFill>
+              <a:schemeClr val="accent6"/>
+            </a:solidFill>
+          </a:ln>
         </p:spPr>
         <p:style>
           <a:lnRef idx="1">
